--- a/Disused code/Misc/DLM_DFO/Lectures/3 Customizing DLMtool/L3c DLMtool data format.pptx
+++ b/Disused code/Misc/DLM_DFO/Lectures/3 Customizing DLMtool/L3c DLMtool data format.pptx
@@ -164,6 +164,10 @@
 </p:presentation>
 </file>
 
+<file path=ppt/revisionInfo.xml><?xml version="1.0" encoding="utf-8"?>
+<p1510:revInfo xmlns:a="http://schemas.openxmlformats.org/drawingml/2006/main" xmlns:r="http://schemas.openxmlformats.org/officeDocument/2006/relationships" xmlns:p1510="http://schemas.microsoft.com/office/powerpoint/2015/10/main"/>
+</file>
+
 <file path=ppt/notesMasters/notesMaster1.xml><?xml version="1.0" encoding="utf-8"?>
 <p:notesMaster xmlns:a="http://schemas.openxmlformats.org/drawingml/2006/main" xmlns:r="http://schemas.openxmlformats.org/officeDocument/2006/relationships" xmlns:p="http://schemas.openxmlformats.org/presentationml/2006/main">
   <p:cSld>
@@ -262,7 +266,7 @@
               <a:pPr>
                 <a:defRPr/>
               </a:pPr>
-              <a:t>2017-10-20</a:t>
+              <a:t>2017-10-31</a:t>
             </a:fld>
             <a:endParaRPr lang="en-CA"/>
           </a:p>
@@ -327,35 +331,35 @@
           <a:p>
             <a:pPr lvl="0"/>
             <a:r>
-              <a:rPr lang="en-US" noProof="0" smtClean="0"/>
+              <a:rPr lang="en-US" noProof="0"/>
               <a:t>Click to edit Master text styles</a:t>
             </a:r>
           </a:p>
           <a:p>
             <a:pPr lvl="1"/>
             <a:r>
-              <a:rPr lang="en-US" noProof="0" smtClean="0"/>
+              <a:rPr lang="en-US" noProof="0"/>
               <a:t>Second level</a:t>
             </a:r>
           </a:p>
           <a:p>
             <a:pPr lvl="2"/>
             <a:r>
-              <a:rPr lang="en-US" noProof="0" smtClean="0"/>
+              <a:rPr lang="en-US" noProof="0"/>
               <a:t>Third level</a:t>
             </a:r>
           </a:p>
           <a:p>
             <a:pPr lvl="3"/>
             <a:r>
-              <a:rPr lang="en-US" noProof="0" smtClean="0"/>
+              <a:rPr lang="en-US" noProof="0"/>
               <a:t>Fourth level</a:t>
             </a:r>
           </a:p>
           <a:p>
             <a:pPr lvl="4"/>
             <a:r>
-              <a:rPr lang="en-US" noProof="0" smtClean="0"/>
+              <a:rPr lang="en-US" noProof="0"/>
               <a:t>Fifth level</a:t>
             </a:r>
             <a:endParaRPr lang="en-CA" noProof="0"/>
@@ -647,7 +651,7 @@
           </a:lstStyle>
           <a:p>
             <a:r>
-              <a:rPr lang="en-US" smtClean="0"/>
+              <a:rPr lang="en-US"/>
               <a:t>Click to edit Master title style</a:t>
             </a:r>
             <a:endParaRPr lang="en-US" dirty="0"/>
@@ -743,7 +747,7 @@
           </a:lstStyle>
           <a:p>
             <a:r>
-              <a:rPr lang="en-US" smtClean="0"/>
+              <a:rPr lang="en-US"/>
               <a:t>Click to edit Master subtitle style</a:t>
             </a:r>
             <a:endParaRPr lang="en-US" dirty="0"/>
@@ -777,7 +781,7 @@
               <a:pPr>
                 <a:defRPr/>
               </a:pPr>
-              <a:t>10/20/2017</a:t>
+              <a:t>10/31/2017</a:t>
             </a:fld>
             <a:endParaRPr lang="en-US" dirty="0"/>
           </a:p>
@@ -956,7 +960,7 @@
           </a:lstStyle>
           <a:p>
             <a:r>
-              <a:rPr lang="en-US" smtClean="0"/>
+              <a:rPr lang="en-US"/>
               <a:t>Click to edit Master title style</a:t>
             </a:r>
             <a:endParaRPr lang="en-US" dirty="0"/>
@@ -1024,7 +1028,7 @@
           <a:p>
             <a:pPr lvl="0"/>
             <a:r>
-              <a:rPr lang="en-US" noProof="0" smtClean="0"/>
+              <a:rPr lang="en-US" noProof="0"/>
               <a:t>Click icon to add picture</a:t>
             </a:r>
             <a:endParaRPr lang="en-US" noProof="0" dirty="0"/>
@@ -1114,7 +1118,7 @@
           <a:p>
             <a:pPr lvl="0"/>
             <a:r>
-              <a:rPr lang="en-US" smtClean="0"/>
+              <a:rPr lang="en-US"/>
               <a:t>Click to edit Master text styles</a:t>
             </a:r>
           </a:p>
@@ -1147,7 +1151,7 @@
               <a:pPr>
                 <a:defRPr/>
               </a:pPr>
-              <a:t>10/20/2017</a:t>
+              <a:t>10/31/2017</a:t>
             </a:fld>
             <a:endParaRPr lang="en-US" dirty="0"/>
           </a:p>
@@ -1326,7 +1330,7 @@
           </a:lstStyle>
           <a:p>
             <a:r>
-              <a:rPr lang="en-US" smtClean="0"/>
+              <a:rPr lang="en-US"/>
               <a:t>Click to edit Master title style</a:t>
             </a:r>
             <a:endParaRPr lang="en-US" dirty="0"/>
@@ -1392,7 +1396,7 @@
           <a:p>
             <a:pPr lvl="0"/>
             <a:r>
-              <a:rPr lang="en-US" smtClean="0"/>
+              <a:rPr lang="en-US"/>
               <a:t>Click to edit Master text styles</a:t>
             </a:r>
           </a:p>
@@ -1425,7 +1429,7 @@
               <a:pPr>
                 <a:defRPr/>
               </a:pPr>
-              <a:t>10/20/2017</a:t>
+              <a:t>10/31/2017</a:t>
             </a:fld>
             <a:endParaRPr lang="en-US" dirty="0"/>
           </a:p>
@@ -1846,7 +1850,7 @@
           </a:lstStyle>
           <a:p>
             <a:r>
-              <a:rPr lang="en-US" smtClean="0"/>
+              <a:rPr lang="en-US"/>
               <a:t>Click to edit Master title style</a:t>
             </a:r>
             <a:endParaRPr lang="en-US" dirty="0"/>
@@ -1914,7 +1918,7 @@
           <a:p>
             <a:pPr lvl="0"/>
             <a:r>
-              <a:rPr lang="en-US" smtClean="0"/>
+              <a:rPr lang="en-US"/>
               <a:t>Click to edit Master text styles</a:t>
             </a:r>
           </a:p>
@@ -1981,7 +1985,7 @@
           <a:p>
             <a:pPr lvl="0"/>
             <a:r>
-              <a:rPr lang="en-US" smtClean="0"/>
+              <a:rPr lang="en-US"/>
               <a:t>Click to edit Master text styles</a:t>
             </a:r>
           </a:p>
@@ -2014,7 +2018,7 @@
               <a:pPr>
                 <a:defRPr/>
               </a:pPr>
-              <a:t>10/20/2017</a:t>
+              <a:t>10/31/2017</a:t>
             </a:fld>
             <a:endParaRPr lang="en-US" dirty="0"/>
           </a:p>
@@ -2195,7 +2199,7 @@
           </a:lstStyle>
           <a:p>
             <a:r>
-              <a:rPr lang="en-US" smtClean="0"/>
+              <a:rPr lang="en-US"/>
               <a:t>Click to edit Master title style</a:t>
             </a:r>
             <a:endParaRPr lang="en-US" dirty="0"/>
@@ -2261,7 +2265,7 @@
           <a:p>
             <a:pPr lvl="0"/>
             <a:r>
-              <a:rPr lang="en-US" smtClean="0"/>
+              <a:rPr lang="en-US"/>
               <a:t>Click to edit Master text styles</a:t>
             </a:r>
           </a:p>
@@ -2294,7 +2298,7 @@
               <a:pPr>
                 <a:defRPr/>
               </a:pPr>
-              <a:t>10/20/2017</a:t>
+              <a:t>10/31/2017</a:t>
             </a:fld>
             <a:endParaRPr lang="en-US" dirty="0"/>
           </a:p>
@@ -2469,7 +2473,7 @@
           <a:lstStyle/>
           <a:p>
             <a:r>
-              <a:rPr lang="en-US" smtClean="0"/>
+              <a:rPr lang="en-US"/>
               <a:t>Click to edit Master title style</a:t>
             </a:r>
             <a:endParaRPr lang="en-US" dirty="0"/>
@@ -2564,7 +2568,7 @@
           <a:p>
             <a:pPr lvl="0"/>
             <a:r>
-              <a:rPr lang="en-US" smtClean="0"/>
+              <a:rPr lang="en-US"/>
               <a:t>Click to edit Master text styles</a:t>
             </a:r>
           </a:p>
@@ -2631,7 +2635,7 @@
           <a:p>
             <a:pPr lvl="0"/>
             <a:r>
-              <a:rPr lang="en-US" smtClean="0"/>
+              <a:rPr lang="en-US"/>
               <a:t>Click to edit Master text styles</a:t>
             </a:r>
           </a:p>
@@ -2693,7 +2697,7 @@
           <a:p>
             <a:pPr lvl="0"/>
             <a:r>
-              <a:rPr lang="en-US" smtClean="0"/>
+              <a:rPr lang="en-US"/>
               <a:t>Click to edit Master text styles</a:t>
             </a:r>
           </a:p>
@@ -2760,7 +2764,7 @@
           <a:p>
             <a:pPr lvl="0"/>
             <a:r>
-              <a:rPr lang="en-US" smtClean="0"/>
+              <a:rPr lang="en-US"/>
               <a:t>Click to edit Master text styles</a:t>
             </a:r>
           </a:p>
@@ -2822,7 +2826,7 @@
           <a:p>
             <a:pPr lvl="0"/>
             <a:r>
-              <a:rPr lang="en-US" smtClean="0"/>
+              <a:rPr lang="en-US"/>
               <a:t>Click to edit Master text styles</a:t>
             </a:r>
           </a:p>
@@ -2889,7 +2893,7 @@
           <a:p>
             <a:pPr lvl="0"/>
             <a:r>
-              <a:rPr lang="en-US" smtClean="0"/>
+              <a:rPr lang="en-US"/>
               <a:t>Click to edit Master text styles</a:t>
             </a:r>
           </a:p>
@@ -2922,7 +2926,7 @@
               <a:pPr>
                 <a:defRPr/>
               </a:pPr>
-              <a:t>10/20/2017</a:t>
+              <a:t>10/31/2017</a:t>
             </a:fld>
             <a:endParaRPr lang="en-US" dirty="0"/>
           </a:p>
@@ -3097,7 +3101,7 @@
           <a:lstStyle/>
           <a:p>
             <a:r>
-              <a:rPr lang="en-US" smtClean="0"/>
+              <a:rPr lang="en-US"/>
               <a:t>Click to edit Master title style</a:t>
             </a:r>
             <a:endParaRPr lang="en-US" dirty="0"/>
@@ -3188,7 +3192,7 @@
           <a:p>
             <a:pPr lvl="0"/>
             <a:r>
-              <a:rPr lang="en-US" smtClean="0"/>
+              <a:rPr lang="en-US"/>
               <a:t>Click to edit Master text styles</a:t>
             </a:r>
           </a:p>
@@ -3267,7 +3271,7 @@
           <a:p>
             <a:pPr lvl="0"/>
             <a:r>
-              <a:rPr lang="en-US" noProof="0" smtClean="0"/>
+              <a:rPr lang="en-US" noProof="0"/>
               <a:t>Click icon to add picture</a:t>
             </a:r>
             <a:endParaRPr lang="en-US" noProof="0" dirty="0"/>
@@ -3335,7 +3339,7 @@
           <a:p>
             <a:pPr lvl="0"/>
             <a:r>
-              <a:rPr lang="en-US" smtClean="0"/>
+              <a:rPr lang="en-US"/>
               <a:t>Click to edit Master text styles</a:t>
             </a:r>
           </a:p>
@@ -3425,7 +3429,7 @@
           <a:p>
             <a:pPr lvl="0"/>
             <a:r>
-              <a:rPr lang="en-US" smtClean="0"/>
+              <a:rPr lang="en-US"/>
               <a:t>Click to edit Master text styles</a:t>
             </a:r>
           </a:p>
@@ -3504,7 +3508,7 @@
           <a:p>
             <a:pPr lvl="0"/>
             <a:r>
-              <a:rPr lang="en-US" noProof="0" smtClean="0"/>
+              <a:rPr lang="en-US" noProof="0"/>
               <a:t>Click icon to add picture</a:t>
             </a:r>
             <a:endParaRPr lang="en-US" noProof="0" dirty="0"/>
@@ -3572,7 +3576,7 @@
           <a:p>
             <a:pPr lvl="0"/>
             <a:r>
-              <a:rPr lang="en-US" smtClean="0"/>
+              <a:rPr lang="en-US"/>
               <a:t>Click to edit Master text styles</a:t>
             </a:r>
           </a:p>
@@ -3662,7 +3666,7 @@
           <a:p>
             <a:pPr lvl="0"/>
             <a:r>
-              <a:rPr lang="en-US" smtClean="0"/>
+              <a:rPr lang="en-US"/>
               <a:t>Click to edit Master text styles</a:t>
             </a:r>
           </a:p>
@@ -3741,7 +3745,7 @@
           <a:p>
             <a:pPr lvl="0"/>
             <a:r>
-              <a:rPr lang="en-US" noProof="0" smtClean="0"/>
+              <a:rPr lang="en-US" noProof="0"/>
               <a:t>Click icon to add picture</a:t>
             </a:r>
             <a:endParaRPr lang="en-US" noProof="0" dirty="0"/>
@@ -3809,7 +3813,7 @@
           <a:p>
             <a:pPr lvl="0"/>
             <a:r>
-              <a:rPr lang="en-US" smtClean="0"/>
+              <a:rPr lang="en-US"/>
               <a:t>Click to edit Master text styles</a:t>
             </a:r>
           </a:p>
@@ -3842,7 +3846,7 @@
               <a:pPr>
                 <a:defRPr/>
               </a:pPr>
-              <a:t>10/20/2017</a:t>
+              <a:t>10/31/2017</a:t>
             </a:fld>
             <a:endParaRPr lang="en-US" dirty="0"/>
           </a:p>
@@ -4012,7 +4016,7 @@
           <a:lstStyle/>
           <a:p>
             <a:r>
-              <a:rPr lang="en-US" smtClean="0"/>
+              <a:rPr lang="en-US"/>
               <a:t>Click to edit Master title style</a:t>
             </a:r>
             <a:endParaRPr lang="en-US" dirty="0"/>
@@ -4036,35 +4040,35 @@
           <a:p>
             <a:pPr lvl="0"/>
             <a:r>
-              <a:rPr lang="en-US" smtClean="0"/>
+              <a:rPr lang="en-US"/>
               <a:t>Click to edit Master text styles</a:t>
             </a:r>
           </a:p>
           <a:p>
             <a:pPr lvl="1"/>
             <a:r>
-              <a:rPr lang="en-US" smtClean="0"/>
+              <a:rPr lang="en-US"/>
               <a:t>Second level</a:t>
             </a:r>
           </a:p>
           <a:p>
             <a:pPr lvl="2"/>
             <a:r>
-              <a:rPr lang="en-US" smtClean="0"/>
+              <a:rPr lang="en-US"/>
               <a:t>Third level</a:t>
             </a:r>
           </a:p>
           <a:p>
             <a:pPr lvl="3"/>
             <a:r>
-              <a:rPr lang="en-US" smtClean="0"/>
+              <a:rPr lang="en-US"/>
               <a:t>Fourth level</a:t>
             </a:r>
           </a:p>
           <a:p>
             <a:pPr lvl="4"/>
             <a:r>
-              <a:rPr lang="en-US" smtClean="0"/>
+              <a:rPr lang="en-US"/>
               <a:t>Fifth level</a:t>
             </a:r>
             <a:endParaRPr lang="en-US" dirty="0"/>
@@ -4098,7 +4102,7 @@
               <a:pPr>
                 <a:defRPr/>
               </a:pPr>
-              <a:t>10/20/2017</a:t>
+              <a:t>10/31/2017</a:t>
             </a:fld>
             <a:endParaRPr lang="en-US" dirty="0"/>
           </a:p>
@@ -4273,7 +4277,7 @@
           <a:lstStyle/>
           <a:p>
             <a:r>
-              <a:rPr lang="en-US" smtClean="0"/>
+              <a:rPr lang="en-US"/>
               <a:t>Click to edit Master title style</a:t>
             </a:r>
             <a:endParaRPr lang="en-US" dirty="0"/>
@@ -4302,35 +4306,35 @@
           <a:p>
             <a:pPr lvl="0"/>
             <a:r>
-              <a:rPr lang="en-US" smtClean="0"/>
+              <a:rPr lang="en-US"/>
               <a:t>Click to edit Master text styles</a:t>
             </a:r>
           </a:p>
           <a:p>
             <a:pPr lvl="1"/>
             <a:r>
-              <a:rPr lang="en-US" smtClean="0"/>
+              <a:rPr lang="en-US"/>
               <a:t>Second level</a:t>
             </a:r>
           </a:p>
           <a:p>
             <a:pPr lvl="2"/>
             <a:r>
-              <a:rPr lang="en-US" smtClean="0"/>
+              <a:rPr lang="en-US"/>
               <a:t>Third level</a:t>
             </a:r>
           </a:p>
           <a:p>
             <a:pPr lvl="3"/>
             <a:r>
-              <a:rPr lang="en-US" smtClean="0"/>
+              <a:rPr lang="en-US"/>
               <a:t>Fourth level</a:t>
             </a:r>
           </a:p>
           <a:p>
             <a:pPr lvl="4"/>
             <a:r>
-              <a:rPr lang="en-US" smtClean="0"/>
+              <a:rPr lang="en-US"/>
               <a:t>Fifth level</a:t>
             </a:r>
             <a:endParaRPr lang="en-US" dirty="0"/>
@@ -4364,7 +4368,7 @@
               <a:pPr>
                 <a:defRPr/>
               </a:pPr>
-              <a:t>10/20/2017</a:t>
+              <a:t>10/31/2017</a:t>
             </a:fld>
             <a:endParaRPr lang="en-US" dirty="0"/>
           </a:p>
@@ -4534,10 +4538,9 @@
           </a:lstStyle>
           <a:p>
             <a:r>
-              <a:rPr lang="en-US" dirty="0" smtClean="0"/>
+              <a:rPr lang="en-US" dirty="0"/>
               <a:t>Click to edit Master title style</a:t>
             </a:r>
-            <a:endParaRPr lang="en-US" dirty="0"/>
           </a:p>
         </p:txBody>
       </p:sp>
@@ -4565,38 +4568,37 @@
           <a:p>
             <a:pPr lvl="0"/>
             <a:r>
-              <a:rPr lang="en-US" dirty="0" smtClean="0"/>
+              <a:rPr lang="en-US" dirty="0"/>
               <a:t>Click to edit Master text styles</a:t>
             </a:r>
           </a:p>
           <a:p>
             <a:pPr lvl="1"/>
             <a:r>
-              <a:rPr lang="en-US" dirty="0" smtClean="0"/>
+              <a:rPr lang="en-US" dirty="0"/>
               <a:t>Second level</a:t>
             </a:r>
           </a:p>
           <a:p>
             <a:pPr lvl="2"/>
             <a:r>
-              <a:rPr lang="en-US" dirty="0" smtClean="0"/>
+              <a:rPr lang="en-US" dirty="0"/>
               <a:t>Third level</a:t>
             </a:r>
           </a:p>
           <a:p>
             <a:pPr lvl="3"/>
             <a:r>
-              <a:rPr lang="en-US" dirty="0" smtClean="0"/>
+              <a:rPr lang="en-US" dirty="0"/>
               <a:t>Fourth level</a:t>
             </a:r>
           </a:p>
           <a:p>
             <a:pPr lvl="4"/>
             <a:r>
-              <a:rPr lang="en-US" dirty="0" smtClean="0"/>
+              <a:rPr lang="en-US" dirty="0"/>
               <a:t>Fifth level</a:t>
             </a:r>
-            <a:endParaRPr lang="en-US" dirty="0"/>
           </a:p>
         </p:txBody>
       </p:sp>
@@ -4627,7 +4629,7 @@
               <a:pPr>
                 <a:defRPr/>
               </a:pPr>
-              <a:t>10/20/2017</a:t>
+              <a:t>10/31/2017</a:t>
             </a:fld>
             <a:endParaRPr lang="en-US" dirty="0"/>
           </a:p>
@@ -4776,7 +4778,7 @@
           </a:lstStyle>
           <a:p>
             <a:r>
-              <a:rPr lang="en-US" smtClean="0"/>
+              <a:rPr lang="en-US"/>
               <a:t>Click to edit Master title style</a:t>
             </a:r>
             <a:endParaRPr lang="en-US" dirty="0"/>
@@ -4872,7 +4874,7 @@
           </a:lstStyle>
           <a:p>
             <a:r>
-              <a:rPr lang="en-US" smtClean="0"/>
+              <a:rPr lang="en-US"/>
               <a:t>Click to edit Master subtitle style</a:t>
             </a:r>
             <a:endParaRPr lang="en-US" dirty="0"/>
@@ -4906,7 +4908,7 @@
               <a:pPr>
                 <a:defRPr/>
               </a:pPr>
-              <a:t>10/20/2017</a:t>
+              <a:t>10/31/2017</a:t>
             </a:fld>
             <a:endParaRPr lang="en-US" dirty="0"/>
           </a:p>
@@ -5012,7 +5014,7 @@
           <a:lstStyle/>
           <a:p>
             <a:r>
-              <a:rPr lang="en-US" smtClean="0"/>
+              <a:rPr lang="en-US"/>
               <a:t>Click to edit Master title style</a:t>
             </a:r>
             <a:endParaRPr lang="en-US" dirty="0"/>
@@ -5041,35 +5043,35 @@
           <a:p>
             <a:pPr lvl="0"/>
             <a:r>
-              <a:rPr lang="en-US" smtClean="0"/>
+              <a:rPr lang="en-US"/>
               <a:t>Click to edit Master text styles</a:t>
             </a:r>
           </a:p>
           <a:p>
             <a:pPr lvl="1"/>
             <a:r>
-              <a:rPr lang="en-US" smtClean="0"/>
+              <a:rPr lang="en-US"/>
               <a:t>Second level</a:t>
             </a:r>
           </a:p>
           <a:p>
             <a:pPr lvl="2"/>
             <a:r>
-              <a:rPr lang="en-US" smtClean="0"/>
+              <a:rPr lang="en-US"/>
               <a:t>Third level</a:t>
             </a:r>
           </a:p>
           <a:p>
             <a:pPr lvl="3"/>
             <a:r>
-              <a:rPr lang="en-US" smtClean="0"/>
+              <a:rPr lang="en-US"/>
               <a:t>Fourth level</a:t>
             </a:r>
           </a:p>
           <a:p>
             <a:pPr lvl="4"/>
             <a:r>
-              <a:rPr lang="en-US" smtClean="0"/>
+              <a:rPr lang="en-US"/>
               <a:t>Fifth level</a:t>
             </a:r>
             <a:endParaRPr lang="en-US" dirty="0"/>
@@ -5098,35 +5100,35 @@
           <a:p>
             <a:pPr lvl="0"/>
             <a:r>
-              <a:rPr lang="en-US" smtClean="0"/>
+              <a:rPr lang="en-US"/>
               <a:t>Click to edit Master text styles</a:t>
             </a:r>
           </a:p>
           <a:p>
             <a:pPr lvl="1"/>
             <a:r>
-              <a:rPr lang="en-US" smtClean="0"/>
+              <a:rPr lang="en-US"/>
               <a:t>Second level</a:t>
             </a:r>
           </a:p>
           <a:p>
             <a:pPr lvl="2"/>
             <a:r>
-              <a:rPr lang="en-US" smtClean="0"/>
+              <a:rPr lang="en-US"/>
               <a:t>Third level</a:t>
             </a:r>
           </a:p>
           <a:p>
             <a:pPr lvl="3"/>
             <a:r>
-              <a:rPr lang="en-US" smtClean="0"/>
+              <a:rPr lang="en-US"/>
               <a:t>Fourth level</a:t>
             </a:r>
           </a:p>
           <a:p>
             <a:pPr lvl="4"/>
             <a:r>
-              <a:rPr lang="en-US" smtClean="0"/>
+              <a:rPr lang="en-US"/>
               <a:t>Fifth level</a:t>
             </a:r>
             <a:endParaRPr lang="en-US" dirty="0"/>
@@ -5160,7 +5162,7 @@
               <a:pPr>
                 <a:defRPr/>
               </a:pPr>
-              <a:t>10/20/2017</a:t>
+              <a:t>10/31/2017</a:t>
             </a:fld>
             <a:endParaRPr lang="en-US" dirty="0"/>
           </a:p>
@@ -5271,7 +5273,7 @@
           <a:lstStyle/>
           <a:p>
             <a:r>
-              <a:rPr lang="en-US" smtClean="0"/>
+              <a:rPr lang="en-US"/>
               <a:t>Click to edit Master title style</a:t>
             </a:r>
             <a:endParaRPr lang="en-US" dirty="0"/>
@@ -5366,7 +5368,7 @@
           <a:p>
             <a:pPr lvl="0"/>
             <a:r>
-              <a:rPr lang="en-US" smtClean="0"/>
+              <a:rPr lang="en-US"/>
               <a:t>Click to edit Master text styles</a:t>
             </a:r>
           </a:p>
@@ -5394,35 +5396,35 @@
           <a:p>
             <a:pPr lvl="0"/>
             <a:r>
-              <a:rPr lang="en-US" smtClean="0"/>
+              <a:rPr lang="en-US"/>
               <a:t>Click to edit Master text styles</a:t>
             </a:r>
           </a:p>
           <a:p>
             <a:pPr lvl="1"/>
             <a:r>
-              <a:rPr lang="en-US" smtClean="0"/>
+              <a:rPr lang="en-US"/>
               <a:t>Second level</a:t>
             </a:r>
           </a:p>
           <a:p>
             <a:pPr lvl="2"/>
             <a:r>
-              <a:rPr lang="en-US" smtClean="0"/>
+              <a:rPr lang="en-US"/>
               <a:t>Third level</a:t>
             </a:r>
           </a:p>
           <a:p>
             <a:pPr lvl="3"/>
             <a:r>
-              <a:rPr lang="en-US" smtClean="0"/>
+              <a:rPr lang="en-US"/>
               <a:t>Fourth level</a:t>
             </a:r>
           </a:p>
           <a:p>
             <a:pPr lvl="4"/>
             <a:r>
-              <a:rPr lang="en-US" smtClean="0"/>
+              <a:rPr lang="en-US"/>
               <a:t>Fifth level</a:t>
             </a:r>
             <a:endParaRPr lang="en-US" dirty="0"/>
@@ -5485,7 +5487,7 @@
           <a:p>
             <a:pPr lvl="0"/>
             <a:r>
-              <a:rPr lang="en-US" smtClean="0"/>
+              <a:rPr lang="en-US"/>
               <a:t>Click to edit Master text styles</a:t>
             </a:r>
           </a:p>
@@ -5513,35 +5515,35 @@
           <a:p>
             <a:pPr lvl="0"/>
             <a:r>
-              <a:rPr lang="en-US" smtClean="0"/>
+              <a:rPr lang="en-US"/>
               <a:t>Click to edit Master text styles</a:t>
             </a:r>
           </a:p>
           <a:p>
             <a:pPr lvl="1"/>
             <a:r>
-              <a:rPr lang="en-US" smtClean="0"/>
+              <a:rPr lang="en-US"/>
               <a:t>Second level</a:t>
             </a:r>
           </a:p>
           <a:p>
             <a:pPr lvl="2"/>
             <a:r>
-              <a:rPr lang="en-US" smtClean="0"/>
+              <a:rPr lang="en-US"/>
               <a:t>Third level</a:t>
             </a:r>
           </a:p>
           <a:p>
             <a:pPr lvl="3"/>
             <a:r>
-              <a:rPr lang="en-US" smtClean="0"/>
+              <a:rPr lang="en-US"/>
               <a:t>Fourth level</a:t>
             </a:r>
           </a:p>
           <a:p>
             <a:pPr lvl="4"/>
             <a:r>
-              <a:rPr lang="en-US" smtClean="0"/>
+              <a:rPr lang="en-US"/>
               <a:t>Fifth level</a:t>
             </a:r>
             <a:endParaRPr lang="en-US" dirty="0"/>
@@ -5575,7 +5577,7 @@
               <a:pPr>
                 <a:defRPr/>
               </a:pPr>
-              <a:t>10/20/2017</a:t>
+              <a:t>10/31/2017</a:t>
             </a:fld>
             <a:endParaRPr lang="en-US" dirty="0"/>
           </a:p>
@@ -5681,7 +5683,7 @@
           <a:lstStyle/>
           <a:p>
             <a:r>
-              <a:rPr lang="en-US" smtClean="0"/>
+              <a:rPr lang="en-US"/>
               <a:t>Click to edit Master title style</a:t>
             </a:r>
             <a:endParaRPr lang="en-US" dirty="0"/>
@@ -5715,7 +5717,7 @@
               <a:pPr>
                 <a:defRPr/>
               </a:pPr>
-              <a:t>10/20/2017</a:t>
+              <a:t>10/31/2017</a:t>
             </a:fld>
             <a:endParaRPr lang="en-US" dirty="0"/>
           </a:p>
@@ -5832,7 +5834,7 @@
               <a:pPr>
                 <a:defRPr/>
               </a:pPr>
-              <a:t>10/20/2017</a:t>
+              <a:t>10/31/2017</a:t>
             </a:fld>
             <a:endParaRPr lang="en-US" dirty="0"/>
           </a:p>
@@ -5947,7 +5949,7 @@
           </a:lstStyle>
           <a:p>
             <a:r>
-              <a:rPr lang="en-US" smtClean="0"/>
+              <a:rPr lang="en-US"/>
               <a:t>Click to edit Master title style</a:t>
             </a:r>
             <a:endParaRPr lang="en-US" dirty="0"/>
@@ -5976,35 +5978,35 @@
           <a:p>
             <a:pPr lvl="0"/>
             <a:r>
-              <a:rPr lang="en-US" smtClean="0"/>
+              <a:rPr lang="en-US"/>
               <a:t>Click to edit Master text styles</a:t>
             </a:r>
           </a:p>
           <a:p>
             <a:pPr lvl="1"/>
             <a:r>
-              <a:rPr lang="en-US" smtClean="0"/>
+              <a:rPr lang="en-US"/>
               <a:t>Second level</a:t>
             </a:r>
           </a:p>
           <a:p>
             <a:pPr lvl="2"/>
             <a:r>
-              <a:rPr lang="en-US" smtClean="0"/>
+              <a:rPr lang="en-US"/>
               <a:t>Third level</a:t>
             </a:r>
           </a:p>
           <a:p>
             <a:pPr lvl="3"/>
             <a:r>
-              <a:rPr lang="en-US" smtClean="0"/>
+              <a:rPr lang="en-US"/>
               <a:t>Fourth level</a:t>
             </a:r>
           </a:p>
           <a:p>
             <a:pPr lvl="4"/>
             <a:r>
-              <a:rPr lang="en-US" smtClean="0"/>
+              <a:rPr lang="en-US"/>
               <a:t>Fifth level</a:t>
             </a:r>
             <a:endParaRPr lang="en-US" dirty="0"/>
@@ -6096,7 +6098,7 @@
           <a:p>
             <a:pPr lvl="0"/>
             <a:r>
-              <a:rPr lang="en-US" smtClean="0"/>
+              <a:rPr lang="en-US"/>
               <a:t>Click to edit Master text styles</a:t>
             </a:r>
           </a:p>
@@ -6129,7 +6131,7 @@
               <a:pPr>
                 <a:defRPr/>
               </a:pPr>
-              <a:t>10/20/2017</a:t>
+              <a:t>10/31/2017</a:t>
             </a:fld>
             <a:endParaRPr lang="en-US" dirty="0"/>
           </a:p>
@@ -6244,7 +6246,7 @@
           </a:lstStyle>
           <a:p>
             <a:r>
-              <a:rPr lang="en-US" smtClean="0"/>
+              <a:rPr lang="en-US"/>
               <a:t>Click to edit Master title style</a:t>
             </a:r>
             <a:endParaRPr lang="en-US" dirty="0"/>
@@ -6312,7 +6314,7 @@
           <a:p>
             <a:pPr lvl="0"/>
             <a:r>
-              <a:rPr lang="en-US" noProof="0" smtClean="0"/>
+              <a:rPr lang="en-US" noProof="0"/>
               <a:t>Click icon to add picture</a:t>
             </a:r>
             <a:endParaRPr lang="en-US" noProof="0" dirty="0"/>
@@ -6404,7 +6406,7 @@
           <a:p>
             <a:pPr lvl="0"/>
             <a:r>
-              <a:rPr lang="en-US" smtClean="0"/>
+              <a:rPr lang="en-US"/>
               <a:t>Click to edit Master text styles</a:t>
             </a:r>
           </a:p>
@@ -6437,7 +6439,7 @@
               <a:pPr>
                 <a:defRPr/>
               </a:pPr>
-              <a:t>10/20/2017</a:t>
+              <a:t>10/31/2017</a:t>
             </a:fld>
             <a:endParaRPr lang="en-US" dirty="0"/>
           </a:p>
@@ -6587,7 +6589,7 @@
           <a:p>
             <a:pPr lvl="0"/>
             <a:r>
-              <a:rPr lang="en-US" altLang="en-US" smtClean="0"/>
+              <a:rPr lang="en-US" altLang="en-US"/>
               <a:t>Click to edit Master title style</a:t>
             </a:r>
           </a:p>
@@ -6645,35 +6647,35 @@
           <a:p>
             <a:pPr lvl="0"/>
             <a:r>
-              <a:rPr lang="en-US" altLang="en-US" smtClean="0"/>
+              <a:rPr lang="en-US" altLang="en-US"/>
               <a:t>Click to edit Master text styles</a:t>
             </a:r>
           </a:p>
           <a:p>
             <a:pPr lvl="1"/>
             <a:r>
-              <a:rPr lang="en-US" altLang="en-US" smtClean="0"/>
+              <a:rPr lang="en-US" altLang="en-US"/>
               <a:t>Second level</a:t>
             </a:r>
           </a:p>
           <a:p>
             <a:pPr lvl="2"/>
             <a:r>
-              <a:rPr lang="en-US" altLang="en-US" smtClean="0"/>
+              <a:rPr lang="en-US" altLang="en-US"/>
               <a:t>Third level</a:t>
             </a:r>
           </a:p>
           <a:p>
             <a:pPr lvl="3"/>
             <a:r>
-              <a:rPr lang="en-US" altLang="en-US" smtClean="0"/>
+              <a:rPr lang="en-US" altLang="en-US"/>
               <a:t>Fourth level</a:t>
             </a:r>
           </a:p>
           <a:p>
             <a:pPr lvl="4"/>
             <a:r>
-              <a:rPr lang="en-US" altLang="en-US" smtClean="0"/>
+              <a:rPr lang="en-US" altLang="en-US"/>
               <a:t>Fifth level</a:t>
             </a:r>
           </a:p>
@@ -6746,7 +6748,7 @@
               <a:pPr>
                 <a:defRPr/>
               </a:pPr>
-              <a:t>10/20/2017</a:t>
+              <a:t>10/31/2017</a:t>
             </a:fld>
             <a:endParaRPr lang="en-US" dirty="0"/>
           </a:p>
@@ -7365,12 +7367,20 @@
               <a:defRPr/>
             </a:pPr>
             <a:r>
+              <a:rPr lang="en-US" sz="3600">
+                <a:solidFill>
+                  <a:srgbClr val="27AFE5"/>
+                </a:solidFill>
+              </a:rPr>
+              <a:t>Data-Limited Methods </a:t>
+            </a:r>
+            <a:r>
               <a:rPr lang="en-US" sz="3600" dirty="0">
                 <a:solidFill>
                   <a:srgbClr val="27AFE5"/>
                 </a:solidFill>
               </a:rPr>
-              <a:t>Data-Limited Fisheries Toolkit </a:t>
+              <a:t>Toolkit </a:t>
             </a:r>
           </a:p>
         </p:txBody>
@@ -7912,18 +7922,13 @@
               <a:buNone/>
             </a:pPr>
             <a:r>
-              <a:rPr lang="en-US" altLang="en-US" dirty="0" smtClean="0">
+              <a:rPr lang="en-US" altLang="en-US" dirty="0">
                 <a:solidFill>
                   <a:srgbClr val="FFC000"/>
                 </a:solidFill>
               </a:rPr>
               <a:t>The format of data for DLMtool</a:t>
             </a:r>
-            <a:endParaRPr lang="en-US" altLang="en-US" dirty="0">
-              <a:solidFill>
-                <a:srgbClr val="FFC000"/>
-              </a:solidFill>
-            </a:endParaRPr>
           </a:p>
         </p:txBody>
       </p:sp>
@@ -8141,34 +8146,10 @@
                   <a:srgbClr val="FFC000"/>
                 </a:solidFill>
               </a:rPr>
-              <a:t>Lecture </a:t>
-            </a:r>
-            <a:r>
-              <a:rPr lang="en-US" altLang="en-US" sz="1800" dirty="0" smtClean="0">
-                <a:solidFill>
-                  <a:srgbClr val="FFC000"/>
-                </a:solidFill>
-              </a:rPr>
-              <a:t>3c,  </a:t>
-            </a:r>
-            <a:r>
-              <a:rPr lang="en-US" altLang="en-US" sz="1800" dirty="0">
-                <a:solidFill>
-                  <a:srgbClr val="FFC000"/>
-                </a:solidFill>
-              </a:rPr>
-              <a:t>Nov </a:t>
-            </a:r>
-            <a:r>
-              <a:rPr lang="en-US" altLang="en-US" sz="1800" dirty="0" smtClean="0">
-                <a:solidFill>
-                  <a:srgbClr val="FFC000"/>
-                </a:solidFill>
-              </a:rPr>
-              <a:t>8</a:t>
-            </a:r>
-            <a:r>
-              <a:rPr lang="en-US" altLang="en-US" sz="1800" baseline="30000" dirty="0" smtClean="0">
+              <a:t>Lecture 3c,  Nov 8</a:t>
+            </a:r>
+            <a:r>
+              <a:rPr lang="en-US" altLang="en-US" sz="1800" baseline="30000" dirty="0">
                 <a:solidFill>
                   <a:srgbClr val="FFC000"/>
                 </a:solidFill>
@@ -8176,20 +8157,12 @@
               <a:t>th</a:t>
             </a:r>
             <a:r>
-              <a:rPr lang="en-US" altLang="en-US" sz="1800" dirty="0" smtClean="0">
+              <a:rPr lang="en-US" altLang="en-US" sz="1800" dirty="0">
                 <a:solidFill>
                   <a:srgbClr val="FFC000"/>
                 </a:solidFill>
               </a:rPr>
-              <a:t> </a:t>
-            </a:r>
-            <a:r>
-              <a:rPr lang="en-US" altLang="en-US" sz="1800" dirty="0">
-                <a:solidFill>
-                  <a:srgbClr val="FFC000"/>
-                </a:solidFill>
-              </a:rPr>
-              <a:t>2017</a:t>
+              <a:t> 2017</a:t>
             </a:r>
           </a:p>
         </p:txBody>
@@ -8450,7 +8423,7 @@
           <p:cNvPr id="4" name="Picture 3">
             <a:extLst>
               <a:ext uri="{FF2B5EF4-FFF2-40B4-BE49-F238E27FC236}">
-                <a16:creationId xmlns:a16="http://schemas.microsoft.com/office/drawing/2014/main" xmlns="" id="{C65DC03F-AEEF-4777-8132-3DBBB17CD723}"/>
+                <a16:creationId xmlns:a16="http://schemas.microsoft.com/office/drawing/2014/main" id="{C65DC03F-AEEF-4777-8132-3DBBB17CD723}"/>
               </a:ext>
             </a:extLst>
           </p:cNvPr>
@@ -8485,13 +8458,6 @@
   <p:clrMapOvr>
     <a:masterClrMapping/>
   </p:clrMapOvr>
-  <p:timing>
-    <p:tnLst>
-      <p:par>
-        <p:cTn id="1" dur="indefinite" restart="never" nodeType="tmRoot"/>
-      </p:par>
-    </p:tnLst>
-  </p:timing>
 </p:sld>
 </file>
 
@@ -8534,7 +8500,7 @@
           <a:p>
             <a:pPr eaLnBrk="1" hangingPunct="1"/>
             <a:r>
-              <a:rPr lang="en-CA" altLang="en-US" dirty="0" smtClean="0">
+              <a:rPr lang="en-CA" altLang="en-US" dirty="0">
                 <a:solidFill>
                   <a:srgbClr val="F6BB00"/>
                 </a:solidFill>
@@ -8572,7 +8538,7 @@
               <a:buAutoNum type="arabicPeriod"/>
             </a:pPr>
             <a:r>
-              <a:rPr lang="en-CA" altLang="en-US" sz="2800" dirty="0" smtClean="0">
+              <a:rPr lang="en-CA" altLang="en-US" sz="2800" dirty="0">
                 <a:solidFill>
                   <a:srgbClr val="27AFE5"/>
                 </a:solidFill>
@@ -8589,7 +8555,7 @@
               <a:buAutoNum type="arabicPeriod"/>
             </a:pPr>
             <a:r>
-              <a:rPr lang="en-CA" altLang="en-US" sz="2800" dirty="0" smtClean="0">
+              <a:rPr lang="en-CA" altLang="en-US" sz="2800" dirty="0">
                 <a:solidFill>
                   <a:srgbClr val="27AFE5"/>
                 </a:solidFill>
@@ -8606,7 +8572,7 @@
               <a:buAutoNum type="arabicPeriod"/>
             </a:pPr>
             <a:r>
-              <a:rPr lang="en-CA" altLang="en-US" sz="2800" dirty="0" smtClean="0">
+              <a:rPr lang="en-CA" altLang="en-US" sz="2800" dirty="0">
                 <a:solidFill>
                   <a:srgbClr val="27AFE5"/>
                 </a:solidFill>
@@ -8621,13 +8587,6 @@
   <p:clrMapOvr>
     <a:masterClrMapping/>
   </p:clrMapOvr>
-  <p:timing>
-    <p:tnLst>
-      <p:par>
-        <p:cTn id="1" dur="indefinite" restart="never" nodeType="tmRoot"/>
-      </p:par>
-    </p:tnLst>
-  </p:timing>
 </p:sld>
 </file>
 
@@ -8669,10 +8628,9 @@
           <a:lstStyle/>
           <a:p>
             <a:r>
-              <a:rPr lang="en-CA" dirty="0" smtClean="0"/>
+              <a:rPr lang="en-CA" dirty="0"/>
               <a:t>A standardized data format</a:t>
             </a:r>
-            <a:endParaRPr lang="en-CA" dirty="0"/>
           </a:p>
         </p:txBody>
       </p:sp>
@@ -8719,10 +8677,9 @@
           <a:p>
             <a:pPr algn="ctr"/>
             <a:r>
-              <a:rPr lang="en-CA" b="1" dirty="0" smtClean="0"/>
+              <a:rPr lang="en-CA" b="1" dirty="0"/>
               <a:t>Real fishery / sampling</a:t>
             </a:r>
-            <a:endParaRPr lang="en-CA" b="1" dirty="0"/>
           </a:p>
         </p:txBody>
       </p:sp>
@@ -8769,10 +8726,9 @@
           <a:p>
             <a:pPr algn="ctr"/>
             <a:r>
-              <a:rPr lang="en-CA" b="1" dirty="0" smtClean="0"/>
+              <a:rPr lang="en-CA" b="1" dirty="0"/>
               <a:t>Simulation (the observation model of an MSE)</a:t>
             </a:r>
-            <a:endParaRPr lang="en-CA" b="1" dirty="0"/>
           </a:p>
         </p:txBody>
       </p:sp>
@@ -8819,18 +8775,13 @@
           <a:p>
             <a:pPr algn="ctr"/>
             <a:r>
-              <a:rPr lang="en-CA" b="1" dirty="0" smtClean="0">
+              <a:rPr lang="en-CA" b="1" dirty="0">
                 <a:solidFill>
                   <a:prstClr val="white"/>
                 </a:solidFill>
               </a:rPr>
               <a:t>Data </a:t>
             </a:r>
-            <a:endParaRPr lang="en-CA" b="1" dirty="0">
-              <a:solidFill>
-                <a:prstClr val="white"/>
-              </a:solidFill>
-            </a:endParaRPr>
           </a:p>
         </p:txBody>
       </p:sp>
@@ -8881,18 +8832,13 @@
               </a:spcAft>
             </a:pPr>
             <a:r>
-              <a:rPr lang="en-CA" b="1" dirty="0" smtClean="0">
+              <a:rPr lang="en-CA" b="1" dirty="0">
                 <a:solidFill>
                   <a:prstClr val="white"/>
                 </a:solidFill>
               </a:rPr>
               <a:t>Management Procedure</a:t>
             </a:r>
-            <a:endParaRPr lang="en-CA" b="1" dirty="0">
-              <a:solidFill>
-                <a:prstClr val="white"/>
-              </a:solidFill>
-            </a:endParaRPr>
           </a:p>
         </p:txBody>
       </p:sp>
@@ -9046,10 +8992,9 @@
           <a:lstStyle/>
           <a:p>
             <a:r>
-              <a:rPr lang="en-CA" b="1" dirty="0" smtClean="0"/>
+              <a:rPr lang="en-CA" b="1" dirty="0"/>
               <a:t>Recommendation</a:t>
             </a:r>
-            <a:endParaRPr lang="en-CA" b="1" dirty="0"/>
           </a:p>
         </p:txBody>
       </p:sp>
@@ -9388,10 +9333,9 @@
           <a:lstStyle/>
           <a:p>
             <a:r>
-              <a:rPr lang="en-CA" dirty="0" smtClean="0"/>
+              <a:rPr lang="en-CA" dirty="0"/>
               <a:t>The ‘Data’ class</a:t>
             </a:r>
-            <a:endParaRPr lang="en-CA" dirty="0"/>
           </a:p>
         </p:txBody>
       </p:sp>
@@ -9601,7 +9545,7 @@
           </a:lstStyle>
           <a:p>
             <a:r>
-              <a:rPr lang="en-CA" sz="2400" dirty="0" smtClean="0">
+              <a:rPr lang="en-CA" sz="2400" dirty="0">
                 <a:solidFill>
                   <a:srgbClr val="0070C0"/>
                 </a:solidFill>
@@ -9609,7 +9553,7 @@
               <a:t>DLMtool data are stored in an </a:t>
             </a:r>
             <a:r>
-              <a:rPr lang="en-CA" sz="2400" i="1" dirty="0" smtClean="0">
+              <a:rPr lang="en-CA" sz="2400" i="1" dirty="0">
                 <a:solidFill>
                   <a:srgbClr val="0070C0"/>
                 </a:solidFill>
@@ -9617,7 +9561,7 @@
               <a:t>object </a:t>
             </a:r>
             <a:r>
-              <a:rPr lang="en-CA" sz="2400" dirty="0" smtClean="0">
+              <a:rPr lang="en-CA" sz="2400" dirty="0">
                 <a:solidFill>
                   <a:srgbClr val="0070C0"/>
                 </a:solidFill>
@@ -9626,7 +9570,7 @@
             </a:r>
           </a:p>
           <a:p>
-            <a:endParaRPr lang="en-CA" sz="2400" dirty="0" smtClean="0">
+            <a:endParaRPr lang="en-CA" sz="2400" dirty="0">
               <a:solidFill>
                 <a:srgbClr val="0070C0"/>
               </a:solidFill>
@@ -9642,7 +9586,7 @@
               </a:spcAft>
             </a:pPr>
             <a:r>
-              <a:rPr lang="en-CA" sz="2400" dirty="0" smtClean="0">
+              <a:rPr lang="en-CA" sz="2400" dirty="0">
                 <a:solidFill>
                   <a:srgbClr val="0070C0"/>
                 </a:solidFill>
@@ -9650,7 +9594,7 @@
               <a:t>Like all classes in DLMtool you can get a summary of what it contains (its slots) using the function </a:t>
             </a:r>
             <a:r>
-              <a:rPr lang="en-CA" sz="2400" dirty="0" err="1" smtClean="0">
+              <a:rPr lang="en-CA" sz="2400" dirty="0" err="1">
                 <a:solidFill>
                   <a:srgbClr val="0070C0"/>
                 </a:solidFill>
@@ -9658,18 +9602,13 @@
               <a:t>slotNames</a:t>
             </a:r>
             <a:r>
-              <a:rPr lang="en-CA" sz="2400" dirty="0" smtClean="0">
+              <a:rPr lang="en-CA" sz="2400" dirty="0">
                 <a:solidFill>
                   <a:srgbClr val="0070C0"/>
                 </a:solidFill>
               </a:rPr>
               <a:t>(). </a:t>
             </a:r>
-            <a:endParaRPr lang="en-CA" sz="2400" dirty="0">
-              <a:solidFill>
-                <a:srgbClr val="0070C0"/>
-              </a:solidFill>
-            </a:endParaRPr>
           </a:p>
         </p:txBody>
       </p:sp>
@@ -9914,22 +9853,9 @@
           <a:lstStyle/>
           <a:p>
             <a:r>
-              <a:rPr lang="en-CA" sz="2800" dirty="0" smtClean="0"/>
-              <a:t>Another </a:t>
-            </a:r>
-            <a:r>
-              <a:rPr lang="en-CA" sz="2800" dirty="0" smtClean="0"/>
-              <a:t>object class</a:t>
-            </a:r>
-            <a:r>
-              <a:rPr lang="en-CA" sz="2800" dirty="0" smtClean="0"/>
-              <a:t>, another </a:t>
-            </a:r>
-            <a:r>
-              <a:rPr lang="en-CA" sz="2800" dirty="0" smtClean="0"/>
-              <a:t>.csv</a:t>
-            </a:r>
-            <a:endParaRPr lang="en-CA" sz="2800" dirty="0"/>
+              <a:rPr lang="en-CA" sz="2800" dirty="0"/>
+              <a:t>Another object class, another .csv</a:t>
+            </a:r>
           </a:p>
         </p:txBody>
       </p:sp>
@@ -10172,10 +10098,9 @@
           <a:lstStyle/>
           <a:p>
             <a:r>
-              <a:rPr lang="en-CA" dirty="0" smtClean="0"/>
+              <a:rPr lang="en-CA" dirty="0"/>
               <a:t>Parameters and uncertainty</a:t>
             </a:r>
-            <a:endParaRPr lang="en-CA" dirty="0"/>
           </a:p>
         </p:txBody>
       </p:sp>
@@ -10206,7 +10131,7 @@
               <a:buNone/>
             </a:pPr>
             <a:r>
-              <a:rPr lang="en-CA" dirty="0" smtClean="0"/>
+              <a:rPr lang="en-CA" dirty="0"/>
               <a:t>Current dealt with quite simply:</a:t>
             </a:r>
           </a:p>
@@ -10217,7 +10142,7 @@
               </a:lnSpc>
               <a:buNone/>
             </a:pPr>
-            <a:endParaRPr lang="en-CA" dirty="0" smtClean="0"/>
+            <a:endParaRPr lang="en-CA" dirty="0"/>
           </a:p>
         </p:txBody>
       </p:sp>
@@ -10285,13 +10210,6 @@
   <p:clrMapOvr>
     <a:masterClrMapping/>
   </p:clrMapOvr>
-  <p:timing>
-    <p:tnLst>
-      <p:par>
-        <p:cTn id="1" dur="indefinite" restart="never" nodeType="tmRoot"/>
-      </p:par>
-    </p:tnLst>
-  </p:timing>
 </p:sld>
 </file>
 
@@ -10333,10 +10251,9 @@
           <a:lstStyle/>
           <a:p>
             <a:r>
-              <a:rPr lang="en-CA" dirty="0" smtClean="0"/>
+              <a:rPr lang="en-CA" dirty="0"/>
               <a:t>Without a CSV</a:t>
             </a:r>
-            <a:endParaRPr lang="en-CA" dirty="0"/>
           </a:p>
         </p:txBody>
       </p:sp>
@@ -10364,15 +10281,15 @@
               <a:buNone/>
             </a:pPr>
             <a:r>
-              <a:rPr lang="en-CA" dirty="0" smtClean="0"/>
+              <a:rPr lang="en-CA" dirty="0"/>
               <a:t>Just like the Stock, Fleet, </a:t>
             </a:r>
             <a:r>
-              <a:rPr lang="en-CA" dirty="0" err="1" smtClean="0"/>
+              <a:rPr lang="en-CA" dirty="0" err="1"/>
               <a:t>Obs</a:t>
             </a:r>
             <a:r>
-              <a:rPr lang="en-CA" dirty="0" smtClean="0"/>
+              <a:rPr lang="en-CA" dirty="0"/>
               <a:t> and Imp objects, blank objects of class Data can be created in an R session and filled using data available in the R session.</a:t>
             </a:r>
           </a:p>
@@ -10381,10 +10298,9 @@
               <a:buNone/>
             </a:pPr>
             <a:r>
-              <a:rPr lang="en-CA" dirty="0" smtClean="0"/>
+              <a:rPr lang="en-CA" dirty="0"/>
               <a:t>Just use the new() function without specifying a csv file: </a:t>
             </a:r>
-            <a:endParaRPr lang="en-CA" dirty="0"/>
           </a:p>
         </p:txBody>
       </p:sp>
@@ -10452,13 +10368,6 @@
   <p:clrMapOvr>
     <a:masterClrMapping/>
   </p:clrMapOvr>
-  <p:timing>
-    <p:tnLst>
-      <p:par>
-        <p:cTn id="1" dur="indefinite" restart="never" nodeType="tmRoot"/>
-      </p:par>
-    </p:tnLst>
-  </p:timing>
 </p:sld>
 </file>
 
@@ -10495,10 +10404,9 @@
           <a:lstStyle/>
           <a:p>
             <a:r>
-              <a:rPr lang="en-CA" dirty="0" smtClean="0"/>
+              <a:rPr lang="en-CA" dirty="0"/>
               <a:t>Getting help with Data objects</a:t>
             </a:r>
-            <a:endParaRPr lang="en-CA" dirty="0"/>
           </a:p>
         </p:txBody>
       </p:sp>
@@ -10532,7 +10440,7 @@
               <a:buNone/>
             </a:pPr>
             <a:r>
-              <a:rPr lang="en-CA" dirty="0" smtClean="0">
+              <a:rPr lang="en-CA" dirty="0">
                 <a:solidFill>
                   <a:srgbClr val="0070C0"/>
                 </a:solidFill>
@@ -10540,7 +10448,7 @@
               <a:t>Cheat sheets for objects:    </a:t>
             </a:r>
             <a:r>
-              <a:rPr lang="en-CA" dirty="0" smtClean="0">
+              <a:rPr lang="en-CA" dirty="0">
                 <a:solidFill>
                   <a:srgbClr val="27AFE5"/>
                 </a:solidFill>
@@ -10559,7 +10467,7 @@
               <a:buNone/>
             </a:pPr>
             <a:r>
-              <a:rPr lang="en-CA" dirty="0" smtClean="0">
+              <a:rPr lang="en-CA" dirty="0">
                 <a:solidFill>
                   <a:srgbClr val="0070C0"/>
                 </a:solidFill>
@@ -10567,7 +10475,7 @@
               <a:t>Examples:                   </a:t>
             </a:r>
             <a:r>
-              <a:rPr lang="en-CA" dirty="0" smtClean="0">
+              <a:rPr lang="en-CA" dirty="0">
                 <a:solidFill>
                   <a:srgbClr val="27AFE5"/>
                 </a:solidFill>
@@ -10583,7 +10491,7 @@
               <a:buNone/>
             </a:pPr>
             <a:r>
-              <a:rPr lang="en-CA" dirty="0" smtClean="0">
+              <a:rPr lang="en-CA" dirty="0">
                 <a:solidFill>
                   <a:srgbClr val="0070C0"/>
                 </a:solidFill>
@@ -10591,7 +10499,7 @@
               <a:t>R package help: </a:t>
             </a:r>
             <a:r>
-              <a:rPr lang="en-CA" dirty="0" smtClean="0">
+              <a:rPr lang="en-CA" dirty="0">
                 <a:solidFill>
                   <a:srgbClr val="27AFE5"/>
                 </a:solidFill>
@@ -10599,14 +10507,14 @@
               <a:t>			</a:t>
             </a:r>
             <a:r>
-              <a:rPr lang="en-CA" dirty="0" err="1" smtClean="0">
+              <a:rPr lang="en-CA" dirty="0" err="1">
                 <a:solidFill>
                   <a:srgbClr val="00B050"/>
                 </a:solidFill>
               </a:rPr>
               <a:t>class?Data</a:t>
             </a:r>
-            <a:endParaRPr lang="en-CA" dirty="0" smtClean="0">
+            <a:endParaRPr lang="en-CA" dirty="0">
               <a:solidFill>
                 <a:srgbClr val="00B050"/>
               </a:solidFill>
@@ -10620,7 +10528,7 @@
               <a:buNone/>
             </a:pPr>
             <a:r>
-              <a:rPr lang="en-CA" dirty="0" smtClean="0">
+              <a:rPr lang="en-CA" dirty="0">
                 <a:solidFill>
                   <a:srgbClr val="00B050"/>
                 </a:solidFill>
@@ -10636,7 +10544,7 @@
               <a:buNone/>
             </a:pPr>
             <a:r>
-              <a:rPr lang="en-CA" dirty="0" smtClean="0">
+              <a:rPr lang="en-CA" dirty="0">
                 <a:solidFill>
                   <a:srgbClr val="00B050"/>
                 </a:solidFill>
@@ -10652,26 +10560,18 @@
               <a:buNone/>
             </a:pPr>
             <a:r>
-              <a:rPr lang="en-CA" dirty="0" smtClean="0"/>
+              <a:rPr lang="en-CA" dirty="0"/>
               <a:t>Online help:</a:t>
             </a:r>
             <a:r>
-              <a:rPr lang="en-CA" dirty="0" smtClean="0">
+              <a:rPr lang="en-CA" dirty="0">
                 <a:solidFill>
                   <a:srgbClr val="27AFE5"/>
                 </a:solidFill>
               </a:rPr>
-              <a:t>   https</a:t>
-            </a:r>
-            <a:r>
-              <a:rPr lang="en-CA" dirty="0">
-                <a:solidFill>
-                  <a:srgbClr val="27AFE5"/>
-                </a:solidFill>
-              </a:rPr>
-              <a:t>://dlmtool.github.io/DLMtool/index.html</a:t>
-            </a:r>
-            <a:endParaRPr lang="en-CA" dirty="0" smtClean="0">
+              <a:t>   https://dlmtool.github.io/DLMtool/index.html</a:t>
+            </a:r>
+            <a:endParaRPr lang="en-CA" dirty="0">
               <a:solidFill>
                 <a:srgbClr val="00B050"/>
               </a:solidFill>
@@ -10714,13 +10614,6 @@
   <p:clrMapOvr>
     <a:masterClrMapping/>
   </p:clrMapOvr>
-  <p:timing>
-    <p:tnLst>
-      <p:par>
-        <p:cTn id="1" dur="indefinite" restart="never" nodeType="tmRoot"/>
-      </p:par>
-    </p:tnLst>
-  </p:timing>
 </p:sld>
 </file>
 
@@ -10757,10 +10650,9 @@
           <a:lstStyle/>
           <a:p>
             <a:r>
-              <a:rPr lang="en-CA" dirty="0" smtClean="0"/>
+              <a:rPr lang="en-CA" dirty="0"/>
               <a:t>Recap: DLMtool objects</a:t>
             </a:r>
-            <a:endParaRPr lang="en-CA" dirty="0"/>
           </a:p>
         </p:txBody>
       </p:sp>
@@ -10788,7 +10680,7 @@
               <a:buNone/>
             </a:pPr>
             <a:r>
-              <a:rPr lang="en-CA" sz="2200" b="1" dirty="0" smtClean="0">
+              <a:rPr lang="en-CA" sz="2200" b="1" dirty="0">
                 <a:solidFill>
                   <a:srgbClr val="00B050"/>
                 </a:solidFill>
@@ -10796,7 +10688,7 @@
               <a:t>Stock</a:t>
             </a:r>
             <a:r>
-              <a:rPr lang="en-CA" sz="2200" dirty="0" smtClean="0"/>
+              <a:rPr lang="en-CA" sz="2200" dirty="0"/>
               <a:t>	Stock dynamics</a:t>
             </a:r>
           </a:p>
@@ -10805,7 +10697,7 @@
               <a:buNone/>
             </a:pPr>
             <a:r>
-              <a:rPr lang="en-CA" sz="2200" b="1" dirty="0" smtClean="0">
+              <a:rPr lang="en-CA" sz="2200" b="1" dirty="0">
                 <a:solidFill>
                   <a:srgbClr val="00B050"/>
                 </a:solidFill>
@@ -10813,7 +10705,7 @@
               <a:t>Fleet 	</a:t>
             </a:r>
             <a:r>
-              <a:rPr lang="en-CA" sz="2200" dirty="0" smtClean="0"/>
+              <a:rPr lang="en-CA" sz="2200" dirty="0"/>
               <a:t>	Fleet dynamics</a:t>
             </a:r>
           </a:p>
@@ -10822,7 +10714,7 @@
               <a:buNone/>
             </a:pPr>
             <a:r>
-              <a:rPr lang="en-CA" sz="2200" b="1" dirty="0" err="1" smtClean="0">
+              <a:rPr lang="en-CA" sz="2200" b="1" dirty="0" err="1">
                 <a:solidFill>
                   <a:srgbClr val="00B050"/>
                 </a:solidFill>
@@ -10830,7 +10722,7 @@
               <a:t>Obs</a:t>
             </a:r>
             <a:r>
-              <a:rPr lang="en-CA" sz="2200" dirty="0" smtClean="0"/>
+              <a:rPr lang="en-CA" sz="2200" dirty="0"/>
               <a:t>		Observation error model</a:t>
             </a:r>
           </a:p>
@@ -10839,7 +10731,7 @@
               <a:buNone/>
             </a:pPr>
             <a:r>
-              <a:rPr lang="en-CA" sz="2200" b="1" dirty="0" smtClean="0">
+              <a:rPr lang="en-CA" sz="2200" b="1" dirty="0">
                 <a:solidFill>
                   <a:srgbClr val="00B050"/>
                 </a:solidFill>
@@ -10847,7 +10739,7 @@
               <a:t>Imp</a:t>
             </a:r>
             <a:r>
-              <a:rPr lang="en-CA" sz="2200" dirty="0" smtClean="0"/>
+              <a:rPr lang="en-CA" sz="2200" dirty="0"/>
               <a:t>		Implementation error model</a:t>
             </a:r>
           </a:p>
@@ -10856,7 +10748,7 @@
               <a:buNone/>
             </a:pPr>
             <a:r>
-              <a:rPr lang="en-CA" sz="2200" b="1" dirty="0" smtClean="0">
+              <a:rPr lang="en-CA" sz="2200" b="1" dirty="0">
                 <a:solidFill>
                   <a:srgbClr val="00B050"/>
                 </a:solidFill>
@@ -10864,15 +10756,15 @@
               <a:t>OM</a:t>
             </a:r>
             <a:r>
-              <a:rPr lang="en-CA" sz="2200" dirty="0" smtClean="0"/>
+              <a:rPr lang="en-CA" sz="2200" dirty="0"/>
               <a:t>               	Operating model (Stock, Fleet, </a:t>
             </a:r>
             <a:r>
-              <a:rPr lang="en-CA" sz="2200" dirty="0" err="1" smtClean="0"/>
+              <a:rPr lang="en-CA" sz="2200" dirty="0" err="1"/>
               <a:t>Obs</a:t>
             </a:r>
             <a:r>
-              <a:rPr lang="en-CA" sz="2200" dirty="0" smtClean="0"/>
+              <a:rPr lang="en-CA" sz="2200" dirty="0"/>
               <a:t>, Imp combined)</a:t>
             </a:r>
           </a:p>
@@ -10881,7 +10773,7 @@
               <a:buNone/>
             </a:pPr>
             <a:r>
-              <a:rPr lang="en-CA" sz="2200" b="1" dirty="0" smtClean="0">
+              <a:rPr lang="en-CA" sz="2200" b="1" dirty="0">
                 <a:solidFill>
                   <a:srgbClr val="00B050"/>
                 </a:solidFill>
@@ -10889,7 +10781,7 @@
               <a:t>MSE</a:t>
             </a:r>
             <a:r>
-              <a:rPr lang="en-CA" sz="2200" dirty="0" smtClean="0"/>
+              <a:rPr lang="en-CA" sz="2200" dirty="0"/>
               <a:t>               An MSE object from runMSE()</a:t>
             </a:r>
           </a:p>
@@ -10898,7 +10790,7 @@
               <a:buNone/>
             </a:pPr>
             <a:r>
-              <a:rPr lang="en-CA" sz="2200" b="1" dirty="0" smtClean="0">
+              <a:rPr lang="en-CA" sz="2200" b="1" dirty="0">
                 <a:solidFill>
                   <a:srgbClr val="00B050"/>
                 </a:solidFill>
@@ -10906,10 +10798,9 @@
               <a:t>Data</a:t>
             </a:r>
             <a:r>
-              <a:rPr lang="en-CA" sz="2200" dirty="0" smtClean="0"/>
+              <a:rPr lang="en-CA" sz="2200" dirty="0"/>
               <a:t>		An object contain real (or simulated in runMSE) data</a:t>
             </a:r>
-            <a:endParaRPr lang="en-CA" sz="2200" dirty="0"/>
           </a:p>
         </p:txBody>
       </p:sp>
@@ -10923,13 +10814,6 @@
   <p:clrMapOvr>
     <a:masterClrMapping/>
   </p:clrMapOvr>
-  <p:timing>
-    <p:tnLst>
-      <p:par>
-        <p:cTn id="1" dur="indefinite" restart="never" nodeType="tmRoot"/>
-      </p:par>
-    </p:tnLst>
-  </p:timing>
 </p:sld>
 </file>
 
